--- a/JavanIntroSlides/intro2assembly_part1.pptx
+++ b/JavanIntroSlides/intro2assembly_part1.pptx
@@ -4,6 +4,9 @@
   <p:sldMasterIdLst>
     <p:sldMasterId id="2147483648" r:id="rId1"/>
   </p:sldMasterIdLst>
+  <p:notesMasterIdLst>
+    <p:notesMasterId r:id="rId19"/>
+  </p:notesMasterIdLst>
   <p:sldIdLst>
     <p:sldId id="256" r:id="rId2"/>
     <p:sldId id="257" r:id="rId3"/>
@@ -21,6 +24,7 @@
     <p:sldId id="266" r:id="rId15"/>
     <p:sldId id="267" r:id="rId16"/>
     <p:sldId id="268" r:id="rId17"/>
+    <p:sldId id="291" r:id="rId18"/>
   </p:sldIdLst>
   <p:sldSz cx="12192000" cy="6858000"/>
   <p:notesSz cx="6858000" cy="9144000"/>
@@ -120,6 +124,439 @@
     </a:lvl9pPr>
   </p:defaultTextStyle>
 </p:presentation>
+</file>
+
+<file path=ppt/notesMasters/notesMaster1.xml><?xml version="1.0" encoding="utf-8"?>
+<p:notesMaster xmlns:a="http://schemas.openxmlformats.org/drawingml/2006/main" xmlns:r="http://schemas.openxmlformats.org/officeDocument/2006/relationships" xmlns:p="http://schemas.openxmlformats.org/presentationml/2006/main">
+  <p:cSld>
+    <p:bg>
+      <p:bgRef idx="1001">
+        <a:schemeClr val="bg1"/>
+      </p:bgRef>
+    </p:bg>
+    <p:spTree>
+      <p:nvGrpSpPr>
+        <p:cNvPr id="1" name=""/>
+        <p:cNvGrpSpPr/>
+        <p:nvPr/>
+      </p:nvGrpSpPr>
+      <p:grpSpPr>
+        <a:xfrm>
+          <a:off x="0" y="0"/>
+          <a:ext cx="0" cy="0"/>
+          <a:chOff x="0" y="0"/>
+          <a:chExt cx="0" cy="0"/>
+        </a:xfrm>
+      </p:grpSpPr>
+      <p:sp>
+        <p:nvSpPr>
+          <p:cNvPr id="2" name="Header Placeholder 1"/>
+          <p:cNvSpPr>
+            <a:spLocks noGrp="1"/>
+          </p:cNvSpPr>
+          <p:nvPr>
+            <p:ph type="hdr" sz="quarter"/>
+          </p:nvPr>
+        </p:nvSpPr>
+        <p:spPr>
+          <a:xfrm>
+            <a:off x="0" y="0"/>
+            <a:ext cx="2971800" cy="458788"/>
+          </a:xfrm>
+          <a:prstGeom prst="rect">
+            <a:avLst/>
+          </a:prstGeom>
+        </p:spPr>
+        <p:txBody>
+          <a:bodyPr vert="horz" lIns="91440" tIns="45720" rIns="91440" bIns="45720" rtlCol="0"/>
+          <a:lstStyle>
+            <a:lvl1pPr algn="l">
+              <a:defRPr sz="1200"/>
+            </a:lvl1pPr>
+          </a:lstStyle>
+          <a:p>
+            <a:endParaRPr lang="en-US"/>
+          </a:p>
+        </p:txBody>
+      </p:sp>
+      <p:sp>
+        <p:nvSpPr>
+          <p:cNvPr id="3" name="Date Placeholder 2"/>
+          <p:cNvSpPr>
+            <a:spLocks noGrp="1"/>
+          </p:cNvSpPr>
+          <p:nvPr>
+            <p:ph type="dt" idx="1"/>
+          </p:nvPr>
+        </p:nvSpPr>
+        <p:spPr>
+          <a:xfrm>
+            <a:off x="3884613" y="0"/>
+            <a:ext cx="2971800" cy="458788"/>
+          </a:xfrm>
+          <a:prstGeom prst="rect">
+            <a:avLst/>
+          </a:prstGeom>
+        </p:spPr>
+        <p:txBody>
+          <a:bodyPr vert="horz" lIns="91440" tIns="45720" rIns="91440" bIns="45720" rtlCol="0"/>
+          <a:lstStyle>
+            <a:lvl1pPr algn="r">
+              <a:defRPr sz="1200"/>
+            </a:lvl1pPr>
+          </a:lstStyle>
+          <a:p>
+            <a:fld id="{811D93BC-2023-FC4F-A704-DD86562225BE}" type="datetimeFigureOut">
+              <a:rPr lang="en-US" smtClean="0"/>
+              <a:t>9/25/23</a:t>
+            </a:fld>
+            <a:endParaRPr lang="en-US"/>
+          </a:p>
+        </p:txBody>
+      </p:sp>
+      <p:sp>
+        <p:nvSpPr>
+          <p:cNvPr id="4" name="Slide Image Placeholder 3"/>
+          <p:cNvSpPr>
+            <a:spLocks noGrp="1" noRot="1" noChangeAspect="1"/>
+          </p:cNvSpPr>
+          <p:nvPr>
+            <p:ph type="sldImg" idx="2"/>
+          </p:nvPr>
+        </p:nvSpPr>
+        <p:spPr>
+          <a:xfrm>
+            <a:off x="685800" y="1143000"/>
+            <a:ext cx="5486400" cy="3086100"/>
+          </a:xfrm>
+          <a:prstGeom prst="rect">
+            <a:avLst/>
+          </a:prstGeom>
+          <a:noFill/>
+          <a:ln w="12700">
+            <a:solidFill>
+              <a:prstClr val="black"/>
+            </a:solidFill>
+          </a:ln>
+        </p:spPr>
+        <p:txBody>
+          <a:bodyPr vert="horz" lIns="91440" tIns="45720" rIns="91440" bIns="45720" rtlCol="0" anchor="ctr"/>
+          <a:lstStyle/>
+          <a:p>
+            <a:endParaRPr lang="en-US"/>
+          </a:p>
+        </p:txBody>
+      </p:sp>
+      <p:sp>
+        <p:nvSpPr>
+          <p:cNvPr id="5" name="Notes Placeholder 4"/>
+          <p:cNvSpPr>
+            <a:spLocks noGrp="1"/>
+          </p:cNvSpPr>
+          <p:nvPr>
+            <p:ph type="body" sz="quarter" idx="3"/>
+          </p:nvPr>
+        </p:nvSpPr>
+        <p:spPr>
+          <a:xfrm>
+            <a:off x="685800" y="4400550"/>
+            <a:ext cx="5486400" cy="3600450"/>
+          </a:xfrm>
+          <a:prstGeom prst="rect">
+            <a:avLst/>
+          </a:prstGeom>
+        </p:spPr>
+        <p:txBody>
+          <a:bodyPr vert="horz" lIns="91440" tIns="45720" rIns="91440" bIns="45720" rtlCol="0"/>
+          <a:lstStyle/>
+          <a:p>
+            <a:pPr lvl="0"/>
+            <a:r>
+              <a:rPr lang="en-US"/>
+              <a:t>Click to edit Master text styles</a:t>
+            </a:r>
+          </a:p>
+          <a:p>
+            <a:pPr lvl="1"/>
+            <a:r>
+              <a:rPr lang="en-US"/>
+              <a:t>Second level</a:t>
+            </a:r>
+          </a:p>
+          <a:p>
+            <a:pPr lvl="2"/>
+            <a:r>
+              <a:rPr lang="en-US"/>
+              <a:t>Third level</a:t>
+            </a:r>
+          </a:p>
+          <a:p>
+            <a:pPr lvl="3"/>
+            <a:r>
+              <a:rPr lang="en-US"/>
+              <a:t>Fourth level</a:t>
+            </a:r>
+          </a:p>
+          <a:p>
+            <a:pPr lvl="4"/>
+            <a:r>
+              <a:rPr lang="en-US"/>
+              <a:t>Fifth level</a:t>
+            </a:r>
+          </a:p>
+        </p:txBody>
+      </p:sp>
+      <p:sp>
+        <p:nvSpPr>
+          <p:cNvPr id="6" name="Footer Placeholder 5"/>
+          <p:cNvSpPr>
+            <a:spLocks noGrp="1"/>
+          </p:cNvSpPr>
+          <p:nvPr>
+            <p:ph type="ftr" sz="quarter" idx="4"/>
+          </p:nvPr>
+        </p:nvSpPr>
+        <p:spPr>
+          <a:xfrm>
+            <a:off x="0" y="8685213"/>
+            <a:ext cx="2971800" cy="458787"/>
+          </a:xfrm>
+          <a:prstGeom prst="rect">
+            <a:avLst/>
+          </a:prstGeom>
+        </p:spPr>
+        <p:txBody>
+          <a:bodyPr vert="horz" lIns="91440" tIns="45720" rIns="91440" bIns="45720" rtlCol="0" anchor="b"/>
+          <a:lstStyle>
+            <a:lvl1pPr algn="l">
+              <a:defRPr sz="1200"/>
+            </a:lvl1pPr>
+          </a:lstStyle>
+          <a:p>
+            <a:endParaRPr lang="en-US"/>
+          </a:p>
+        </p:txBody>
+      </p:sp>
+      <p:sp>
+        <p:nvSpPr>
+          <p:cNvPr id="7" name="Slide Number Placeholder 6"/>
+          <p:cNvSpPr>
+            <a:spLocks noGrp="1"/>
+          </p:cNvSpPr>
+          <p:nvPr>
+            <p:ph type="sldNum" sz="quarter" idx="5"/>
+          </p:nvPr>
+        </p:nvSpPr>
+        <p:spPr>
+          <a:xfrm>
+            <a:off x="3884613" y="8685213"/>
+            <a:ext cx="2971800" cy="458787"/>
+          </a:xfrm>
+          <a:prstGeom prst="rect">
+            <a:avLst/>
+          </a:prstGeom>
+        </p:spPr>
+        <p:txBody>
+          <a:bodyPr vert="horz" lIns="91440" tIns="45720" rIns="91440" bIns="45720" rtlCol="0" anchor="b"/>
+          <a:lstStyle>
+            <a:lvl1pPr algn="r">
+              <a:defRPr sz="1200"/>
+            </a:lvl1pPr>
+          </a:lstStyle>
+          <a:p>
+            <a:fld id="{90A6C4E2-47BB-B043-9288-DB832FE650A9}" type="slidenum">
+              <a:rPr lang="en-US" smtClean="0"/>
+              <a:t>‹#›</a:t>
+            </a:fld>
+            <a:endParaRPr lang="en-US"/>
+          </a:p>
+        </p:txBody>
+      </p:sp>
+    </p:spTree>
+    <p:extLst>
+      <p:ext uri="{BB962C8B-B14F-4D97-AF65-F5344CB8AC3E}">
+        <p14:creationId xmlns:p14="http://schemas.microsoft.com/office/powerpoint/2010/main" val="3500337453"/>
+      </p:ext>
+    </p:extLst>
+  </p:cSld>
+  <p:clrMap bg1="lt1" tx1="dk1" bg2="lt2" tx2="dk2" accent1="accent1" accent2="accent2" accent3="accent3" accent4="accent4" accent5="accent5" accent6="accent6" hlink="hlink" folHlink="folHlink"/>
+  <p:notesStyle>
+    <a:lvl1pPr marL="0" algn="l" defTabSz="914400" rtl="0" eaLnBrk="1" latinLnBrk="0" hangingPunct="1">
+      <a:defRPr sz="1200" kern="1200">
+        <a:solidFill>
+          <a:schemeClr val="tx1"/>
+        </a:solidFill>
+        <a:latin typeface="+mn-lt"/>
+        <a:ea typeface="+mn-ea"/>
+        <a:cs typeface="+mn-cs"/>
+      </a:defRPr>
+    </a:lvl1pPr>
+    <a:lvl2pPr marL="457200" algn="l" defTabSz="914400" rtl="0" eaLnBrk="1" latinLnBrk="0" hangingPunct="1">
+      <a:defRPr sz="1200" kern="1200">
+        <a:solidFill>
+          <a:schemeClr val="tx1"/>
+        </a:solidFill>
+        <a:latin typeface="+mn-lt"/>
+        <a:ea typeface="+mn-ea"/>
+        <a:cs typeface="+mn-cs"/>
+      </a:defRPr>
+    </a:lvl2pPr>
+    <a:lvl3pPr marL="914400" algn="l" defTabSz="914400" rtl="0" eaLnBrk="1" latinLnBrk="0" hangingPunct="1">
+      <a:defRPr sz="1200" kern="1200">
+        <a:solidFill>
+          <a:schemeClr val="tx1"/>
+        </a:solidFill>
+        <a:latin typeface="+mn-lt"/>
+        <a:ea typeface="+mn-ea"/>
+        <a:cs typeface="+mn-cs"/>
+      </a:defRPr>
+    </a:lvl3pPr>
+    <a:lvl4pPr marL="1371600" algn="l" defTabSz="914400" rtl="0" eaLnBrk="1" latinLnBrk="0" hangingPunct="1">
+      <a:defRPr sz="1200" kern="1200">
+        <a:solidFill>
+          <a:schemeClr val="tx1"/>
+        </a:solidFill>
+        <a:latin typeface="+mn-lt"/>
+        <a:ea typeface="+mn-ea"/>
+        <a:cs typeface="+mn-cs"/>
+      </a:defRPr>
+    </a:lvl4pPr>
+    <a:lvl5pPr marL="1828800" algn="l" defTabSz="914400" rtl="0" eaLnBrk="1" latinLnBrk="0" hangingPunct="1">
+      <a:defRPr sz="1200" kern="1200">
+        <a:solidFill>
+          <a:schemeClr val="tx1"/>
+        </a:solidFill>
+        <a:latin typeface="+mn-lt"/>
+        <a:ea typeface="+mn-ea"/>
+        <a:cs typeface="+mn-cs"/>
+      </a:defRPr>
+    </a:lvl5pPr>
+    <a:lvl6pPr marL="2286000" algn="l" defTabSz="914400" rtl="0" eaLnBrk="1" latinLnBrk="0" hangingPunct="1">
+      <a:defRPr sz="1200" kern="1200">
+        <a:solidFill>
+          <a:schemeClr val="tx1"/>
+        </a:solidFill>
+        <a:latin typeface="+mn-lt"/>
+        <a:ea typeface="+mn-ea"/>
+        <a:cs typeface="+mn-cs"/>
+      </a:defRPr>
+    </a:lvl6pPr>
+    <a:lvl7pPr marL="2743200" algn="l" defTabSz="914400" rtl="0" eaLnBrk="1" latinLnBrk="0" hangingPunct="1">
+      <a:defRPr sz="1200" kern="1200">
+        <a:solidFill>
+          <a:schemeClr val="tx1"/>
+        </a:solidFill>
+        <a:latin typeface="+mn-lt"/>
+        <a:ea typeface="+mn-ea"/>
+        <a:cs typeface="+mn-cs"/>
+      </a:defRPr>
+    </a:lvl7pPr>
+    <a:lvl8pPr marL="3200400" algn="l" defTabSz="914400" rtl="0" eaLnBrk="1" latinLnBrk="0" hangingPunct="1">
+      <a:defRPr sz="1200" kern="1200">
+        <a:solidFill>
+          <a:schemeClr val="tx1"/>
+        </a:solidFill>
+        <a:latin typeface="+mn-lt"/>
+        <a:ea typeface="+mn-ea"/>
+        <a:cs typeface="+mn-cs"/>
+      </a:defRPr>
+    </a:lvl8pPr>
+    <a:lvl9pPr marL="3657600" algn="l" defTabSz="914400" rtl="0" eaLnBrk="1" latinLnBrk="0" hangingPunct="1">
+      <a:defRPr sz="1200" kern="1200">
+        <a:solidFill>
+          <a:schemeClr val="tx1"/>
+        </a:solidFill>
+        <a:latin typeface="+mn-lt"/>
+        <a:ea typeface="+mn-ea"/>
+        <a:cs typeface="+mn-cs"/>
+      </a:defRPr>
+    </a:lvl9pPr>
+  </p:notesStyle>
+</p:notesMaster>
+</file>
+
+<file path=ppt/notesSlides/notesSlide1.xml><?xml version="1.0" encoding="utf-8"?>
+<p:notes xmlns:a="http://schemas.openxmlformats.org/drawingml/2006/main" xmlns:r="http://schemas.openxmlformats.org/officeDocument/2006/relationships" xmlns:p="http://schemas.openxmlformats.org/presentationml/2006/main">
+  <p:cSld>
+    <p:spTree>
+      <p:nvGrpSpPr>
+        <p:cNvPr id="1" name=""/>
+        <p:cNvGrpSpPr/>
+        <p:nvPr/>
+      </p:nvGrpSpPr>
+      <p:grpSpPr>
+        <a:xfrm>
+          <a:off x="0" y="0"/>
+          <a:ext cx="0" cy="0"/>
+          <a:chOff x="0" y="0"/>
+          <a:chExt cx="0" cy="0"/>
+        </a:xfrm>
+      </p:grpSpPr>
+      <p:sp>
+        <p:nvSpPr>
+          <p:cNvPr id="2" name="Slide Image Placeholder 1"/>
+          <p:cNvSpPr>
+            <a:spLocks noGrp="1" noRot="1" noChangeAspect="1"/>
+          </p:cNvSpPr>
+          <p:nvPr>
+            <p:ph type="sldImg"/>
+          </p:nvPr>
+        </p:nvSpPr>
+        <p:spPr/>
+      </p:sp>
+      <p:sp>
+        <p:nvSpPr>
+          <p:cNvPr id="3" name="Notes Placeholder 2"/>
+          <p:cNvSpPr>
+            <a:spLocks noGrp="1"/>
+          </p:cNvSpPr>
+          <p:nvPr>
+            <p:ph type="body" idx="1"/>
+          </p:nvPr>
+        </p:nvSpPr>
+        <p:spPr/>
+        <p:txBody>
+          <a:bodyPr/>
+          <a:lstStyle/>
+          <a:p>
+            <a:endParaRPr lang="en-US" dirty="0"/>
+          </a:p>
+        </p:txBody>
+      </p:sp>
+      <p:sp>
+        <p:nvSpPr>
+          <p:cNvPr id="4" name="Slide Number Placeholder 3"/>
+          <p:cNvSpPr>
+            <a:spLocks noGrp="1"/>
+          </p:cNvSpPr>
+          <p:nvPr>
+            <p:ph type="sldNum" sz="quarter" idx="5"/>
+          </p:nvPr>
+        </p:nvSpPr>
+        <p:spPr/>
+        <p:txBody>
+          <a:bodyPr/>
+          <a:lstStyle/>
+          <a:p>
+            <a:fld id="{90A6C4E2-47BB-B043-9288-DB832FE650A9}" type="slidenum">
+              <a:rPr lang="en-US" smtClean="0"/>
+              <a:t>17</a:t>
+            </a:fld>
+            <a:endParaRPr lang="en-US"/>
+          </a:p>
+        </p:txBody>
+      </p:sp>
+    </p:spTree>
+    <p:extLst>
+      <p:ext uri="{BB962C8B-B14F-4D97-AF65-F5344CB8AC3E}">
+        <p14:creationId xmlns:p14="http://schemas.microsoft.com/office/powerpoint/2010/main" val="1562324707"/>
+      </p:ext>
+    </p:extLst>
+  </p:cSld>
+  <p:clrMapOvr>
+    <a:masterClrMapping/>
+  </p:clrMapOvr>
+</p:notes>
 </file>
 
 <file path=ppt/slideLayouts/slideLayout1.xml><?xml version="1.0" encoding="utf-8"?>
@@ -9038,6 +9475,70 @@
 </p:sld>
 </file>
 
+<file path=ppt/slides/slide17.xml><?xml version="1.0" encoding="utf-8"?>
+<p:sld xmlns:a="http://schemas.openxmlformats.org/drawingml/2006/main" xmlns:r="http://schemas.openxmlformats.org/officeDocument/2006/relationships" xmlns:p="http://schemas.openxmlformats.org/presentationml/2006/main">
+  <p:cSld>
+    <p:spTree>
+      <p:nvGrpSpPr>
+        <p:cNvPr id="1" name=""/>
+        <p:cNvGrpSpPr/>
+        <p:nvPr/>
+      </p:nvGrpSpPr>
+      <p:grpSpPr>
+        <a:xfrm>
+          <a:off x="0" y="0"/>
+          <a:ext cx="0" cy="0"/>
+          <a:chOff x="0" y="0"/>
+          <a:chExt cx="0" cy="0"/>
+        </a:xfrm>
+      </p:grpSpPr>
+      <p:sp>
+        <p:nvSpPr>
+          <p:cNvPr id="2" name="Title 1">
+            <a:extLst>
+              <a:ext uri="{FF2B5EF4-FFF2-40B4-BE49-F238E27FC236}">
+                <a16:creationId xmlns:a16="http://schemas.microsoft.com/office/drawing/2014/main" id="{C7A4D87E-AFA7-28F3-D71C-BBC49E9CFB82}"/>
+              </a:ext>
+            </a:extLst>
+          </p:cNvPr>
+          <p:cNvSpPr>
+            <a:spLocks noGrp="1"/>
+          </p:cNvSpPr>
+          <p:nvPr>
+            <p:ph type="title"/>
+          </p:nvPr>
+        </p:nvSpPr>
+        <p:spPr>
+          <a:xfrm>
+            <a:off x="596462" y="2766218"/>
+            <a:ext cx="10515600" cy="1325563"/>
+          </a:xfrm>
+        </p:spPr>
+        <p:txBody>
+          <a:bodyPr/>
+          <a:lstStyle/>
+          <a:p>
+            <a:pPr algn="ctr"/>
+            <a:r>
+              <a:rPr lang="en-US" dirty="0"/>
+              <a:t>Thanks!</a:t>
+            </a:r>
+          </a:p>
+        </p:txBody>
+      </p:sp>
+    </p:spTree>
+    <p:extLst>
+      <p:ext uri="{BB962C8B-B14F-4D97-AF65-F5344CB8AC3E}">
+        <p14:creationId xmlns:p14="http://schemas.microsoft.com/office/powerpoint/2010/main" val="835644178"/>
+      </p:ext>
+    </p:extLst>
+  </p:cSld>
+  <p:clrMapOvr>
+    <a:masterClrMapping/>
+  </p:clrMapOvr>
+</p:sld>
+</file>
+
 <file path=ppt/slides/slide2.xml><?xml version="1.0" encoding="utf-8"?>
 <p:sld xmlns:a="http://schemas.openxmlformats.org/drawingml/2006/main" xmlns:r="http://schemas.openxmlformats.org/officeDocument/2006/relationships" xmlns:p="http://schemas.openxmlformats.org/presentationml/2006/main">
   <p:cSld>
@@ -9153,8 +9654,55 @@
         </p:blipFill>
         <p:spPr bwMode="auto">
           <a:xfrm>
-            <a:off x="2829636" y="2606565"/>
-            <a:ext cx="8524164" cy="4156841"/>
+            <a:off x="342763" y="3237187"/>
+            <a:ext cx="6239558" cy="3042744"/>
+          </a:xfrm>
+          <a:prstGeom prst="rect">
+            <a:avLst/>
+          </a:prstGeom>
+          <a:noFill/>
+          <a:extLst>
+            <a:ext uri="{909E8E84-426E-40DD-AFC4-6F175D3DCCD1}">
+              <a14:hiddenFill xmlns:a14="http://schemas.microsoft.com/office/drawing/2010/main">
+                <a:solidFill>
+                  <a:srgbClr val="FFFFFF"/>
+                </a:solidFill>
+              </a14:hiddenFill>
+            </a:ext>
+          </a:extLst>
+        </p:spPr>
+      </p:pic>
+      <p:pic>
+        <p:nvPicPr>
+          <p:cNvPr id="3080" name="Picture 8" descr="The Story of Three Bricklayers – A Parable About The Power of Purpose -  Sacred Structures by Jim Baker : Sacred Structures by Jim Baker">
+            <a:extLst>
+              <a:ext uri="{FF2B5EF4-FFF2-40B4-BE49-F238E27FC236}">
+                <a16:creationId xmlns:a16="http://schemas.microsoft.com/office/drawing/2014/main" id="{3A8EAC8F-55C2-937B-1FA9-355AC5D090FB}"/>
+              </a:ext>
+            </a:extLst>
+          </p:cNvPr>
+          <p:cNvPicPr>
+            <a:picLocks noChangeAspect="1" noChangeArrowheads="1"/>
+          </p:cNvPicPr>
+          <p:nvPr/>
+        </p:nvPicPr>
+        <p:blipFill>
+          <a:blip r:embed="rId3">
+            <a:extLst>
+              <a:ext uri="{28A0092B-C50C-407E-A947-70E740481C1C}">
+                <a14:useLocalDpi xmlns:a14="http://schemas.microsoft.com/office/drawing/2010/main" val="0"/>
+              </a:ext>
+            </a:extLst>
+          </a:blip>
+          <a:srcRect/>
+          <a:stretch>
+            <a:fillRect/>
+          </a:stretch>
+        </p:blipFill>
+        <p:spPr bwMode="auto">
+          <a:xfrm>
+            <a:off x="6798960" y="3429000"/>
+            <a:ext cx="4797347" cy="2586805"/>
           </a:xfrm>
           <a:prstGeom prst="rect">
             <a:avLst/>
@@ -9181,6 +9729,127 @@
   <p:clrMapOvr>
     <a:masterClrMapping/>
   </p:clrMapOvr>
+  <p:timing>
+    <p:tnLst>
+      <p:par>
+        <p:cTn id="1" dur="indefinite" restart="never" nodeType="tmRoot">
+          <p:childTnLst>
+            <p:seq concurrent="1" nextAc="seek">
+              <p:cTn id="2" dur="indefinite" nodeType="mainSeq">
+                <p:childTnLst>
+                  <p:par>
+                    <p:cTn id="3" fill="hold">
+                      <p:stCondLst>
+                        <p:cond delay="indefinite"/>
+                      </p:stCondLst>
+                      <p:childTnLst>
+                        <p:par>
+                          <p:cTn id="4" fill="hold">
+                            <p:stCondLst>
+                              <p:cond delay="0"/>
+                            </p:stCondLst>
+                            <p:childTnLst>
+                              <p:par>
+                                <p:cTn id="5" presetID="2" presetClass="entr" presetSubtype="4" fill="hold" nodeType="clickEffect">
+                                  <p:stCondLst>
+                                    <p:cond delay="0"/>
+                                  </p:stCondLst>
+                                  <p:childTnLst>
+                                    <p:set>
+                                      <p:cBhvr>
+                                        <p:cTn id="6" dur="1" fill="hold">
+                                          <p:stCondLst>
+                                            <p:cond delay="0"/>
+                                          </p:stCondLst>
+                                        </p:cTn>
+                                        <p:tgtEl>
+                                          <p:spTgt spid="3076"/>
+                                        </p:tgtEl>
+                                        <p:attrNameLst>
+                                          <p:attrName>style.visibility</p:attrName>
+                                        </p:attrNameLst>
+                                      </p:cBhvr>
+                                      <p:to>
+                                        <p:strVal val="visible"/>
+                                      </p:to>
+                                    </p:set>
+                                    <p:anim calcmode="lin" valueType="num">
+                                      <p:cBhvr additive="base">
+                                        <p:cTn id="7" dur="500" fill="hold"/>
+                                        <p:tgtEl>
+                                          <p:spTgt spid="3076"/>
+                                        </p:tgtEl>
+                                        <p:attrNameLst>
+                                          <p:attrName>ppt_x</p:attrName>
+                                        </p:attrNameLst>
+                                      </p:cBhvr>
+                                      <p:tavLst>
+                                        <p:tav tm="0">
+                                          <p:val>
+                                            <p:strVal val="#ppt_x"/>
+                                          </p:val>
+                                        </p:tav>
+                                        <p:tav tm="100000">
+                                          <p:val>
+                                            <p:strVal val="#ppt_x"/>
+                                          </p:val>
+                                        </p:tav>
+                                      </p:tavLst>
+                                    </p:anim>
+                                    <p:anim calcmode="lin" valueType="num">
+                                      <p:cBhvr additive="base">
+                                        <p:cTn id="8" dur="500" fill="hold"/>
+                                        <p:tgtEl>
+                                          <p:spTgt spid="3076"/>
+                                        </p:tgtEl>
+                                        <p:attrNameLst>
+                                          <p:attrName>ppt_y</p:attrName>
+                                        </p:attrNameLst>
+                                      </p:cBhvr>
+                                      <p:tavLst>
+                                        <p:tav tm="0">
+                                          <p:val>
+                                            <p:strVal val="1+#ppt_h/2"/>
+                                          </p:val>
+                                        </p:tav>
+                                        <p:tav tm="100000">
+                                          <p:val>
+                                            <p:strVal val="#ppt_y"/>
+                                          </p:val>
+                                        </p:tav>
+                                      </p:tavLst>
+                                    </p:anim>
+                                  </p:childTnLst>
+                                </p:cTn>
+                              </p:par>
+                            </p:childTnLst>
+                          </p:cTn>
+                        </p:par>
+                      </p:childTnLst>
+                    </p:cTn>
+                  </p:par>
+                </p:childTnLst>
+              </p:cTn>
+              <p:prevCondLst>
+                <p:cond evt="onPrev" delay="0">
+                  <p:tgtEl>
+                    <p:sldTgt/>
+                  </p:tgtEl>
+                </p:cond>
+              </p:prevCondLst>
+              <p:nextCondLst>
+                <p:cond evt="onNext" delay="0">
+                  <p:tgtEl>
+                    <p:sldTgt/>
+                  </p:tgtEl>
+                </p:cond>
+              </p:nextCondLst>
+            </p:seq>
+          </p:childTnLst>
+        </p:cTn>
+      </p:par>
+    </p:tnLst>
+  </p:timing>
 </p:sld>
 </file>
 
@@ -15224,4 +15893,299 @@
     </a:ext>
   </a:extLst>
 </a:theme>
+</file>
+
+<file path=ppt/theme/theme2.xml><?xml version="1.0" encoding="utf-8"?>
+<a:theme xmlns:a="http://schemas.openxmlformats.org/drawingml/2006/main" name="Office Theme">
+  <a:themeElements>
+    <a:clrScheme name="Office">
+      <a:dk1>
+        <a:sysClr val="windowText" lastClr="000000"/>
+      </a:dk1>
+      <a:lt1>
+        <a:sysClr val="window" lastClr="FFFFFF"/>
+      </a:lt1>
+      <a:dk2>
+        <a:srgbClr val="44546A"/>
+      </a:dk2>
+      <a:lt2>
+        <a:srgbClr val="E7E6E6"/>
+      </a:lt2>
+      <a:accent1>
+        <a:srgbClr val="4472C4"/>
+      </a:accent1>
+      <a:accent2>
+        <a:srgbClr val="ED7D31"/>
+      </a:accent2>
+      <a:accent3>
+        <a:srgbClr val="A5A5A5"/>
+      </a:accent3>
+      <a:accent4>
+        <a:srgbClr val="FFC000"/>
+      </a:accent4>
+      <a:accent5>
+        <a:srgbClr val="5B9BD5"/>
+      </a:accent5>
+      <a:accent6>
+        <a:srgbClr val="70AD47"/>
+      </a:accent6>
+      <a:hlink>
+        <a:srgbClr val="0563C1"/>
+      </a:hlink>
+      <a:folHlink>
+        <a:srgbClr val="954F72"/>
+      </a:folHlink>
+    </a:clrScheme>
+    <a:fontScheme name="Office">
+      <a:majorFont>
+        <a:latin typeface="Calibri Light" panose="020F0302020204030204"/>
+        <a:ea typeface=""/>
+        <a:cs typeface=""/>
+        <a:font script="Jpan" typeface="游ゴシック Light"/>
+        <a:font script="Hang" typeface="맑은 고딕"/>
+        <a:font script="Hans" typeface="等线 Light"/>
+        <a:font script="Hant" typeface="新細明體"/>
+        <a:font script="Arab" typeface="Times New Roman"/>
+        <a:font script="Hebr" typeface="Times New Roman"/>
+        <a:font script="Thai" typeface="Angsana New"/>
+        <a:font script="Ethi" typeface="Nyala"/>
+        <a:font script="Beng" typeface="Vrinda"/>
+        <a:font script="Gujr" typeface="Shruti"/>
+        <a:font script="Khmr" typeface="MoolBoran"/>
+        <a:font script="Knda" typeface="Tunga"/>
+        <a:font script="Guru" typeface="Raavi"/>
+        <a:font script="Cans" typeface="Euphemia"/>
+        <a:font script="Cher" typeface="Plantagenet Cherokee"/>
+        <a:font script="Yiii" typeface="Microsoft Yi Baiti"/>
+        <a:font script="Tibt" typeface="Microsoft Himalaya"/>
+        <a:font script="Thaa" typeface="MV Boli"/>
+        <a:font script="Deva" typeface="Mangal"/>
+        <a:font script="Telu" typeface="Gautami"/>
+        <a:font script="Taml" typeface="Latha"/>
+        <a:font script="Syrc" typeface="Estrangelo Edessa"/>
+        <a:font script="Orya" typeface="Kalinga"/>
+        <a:font script="Mlym" typeface="Kartika"/>
+        <a:font script="Laoo" typeface="DokChampa"/>
+        <a:font script="Sinh" typeface="Iskoola Pota"/>
+        <a:font script="Mong" typeface="Mongolian Baiti"/>
+        <a:font script="Viet" typeface="Times New Roman"/>
+        <a:font script="Uigh" typeface="Microsoft Uighur"/>
+        <a:font script="Geor" typeface="Sylfaen"/>
+        <a:font script="Armn" typeface="Arial"/>
+        <a:font script="Bugi" typeface="Leelawadee UI"/>
+        <a:font script="Bopo" typeface="Microsoft JhengHei"/>
+        <a:font script="Java" typeface="Javanese Text"/>
+        <a:font script="Lisu" typeface="Segoe UI"/>
+        <a:font script="Mymr" typeface="Myanmar Text"/>
+        <a:font script="Nkoo" typeface="Ebrima"/>
+        <a:font script="Olck" typeface="Nirmala UI"/>
+        <a:font script="Osma" typeface="Ebrima"/>
+        <a:font script="Phag" typeface="Phagspa"/>
+        <a:font script="Syrn" typeface="Estrangelo Edessa"/>
+        <a:font script="Syrj" typeface="Estrangelo Edessa"/>
+        <a:font script="Syre" typeface="Estrangelo Edessa"/>
+        <a:font script="Sora" typeface="Nirmala UI"/>
+        <a:font script="Tale" typeface="Microsoft Tai Le"/>
+        <a:font script="Talu" typeface="Microsoft New Tai Lue"/>
+        <a:font script="Tfng" typeface="Ebrima"/>
+      </a:majorFont>
+      <a:minorFont>
+        <a:latin typeface="Calibri" panose="020F0502020204030204"/>
+        <a:ea typeface=""/>
+        <a:cs typeface=""/>
+        <a:font script="Jpan" typeface="游ゴシック"/>
+        <a:font script="Hang" typeface="맑은 고딕"/>
+        <a:font script="Hans" typeface="等线"/>
+        <a:font script="Hant" typeface="新細明體"/>
+        <a:font script="Arab" typeface="Arial"/>
+        <a:font script="Hebr" typeface="Arial"/>
+        <a:font script="Thai" typeface="Cordia New"/>
+        <a:font script="Ethi" typeface="Nyala"/>
+        <a:font script="Beng" typeface="Vrinda"/>
+        <a:font script="Gujr" typeface="Shruti"/>
+        <a:font script="Khmr" typeface="DaunPenh"/>
+        <a:font script="Knda" typeface="Tunga"/>
+        <a:font script="Guru" typeface="Raavi"/>
+        <a:font script="Cans" typeface="Euphemia"/>
+        <a:font script="Cher" typeface="Plantagenet Cherokee"/>
+        <a:font script="Yiii" typeface="Microsoft Yi Baiti"/>
+        <a:font script="Tibt" typeface="Microsoft Himalaya"/>
+        <a:font script="Thaa" typeface="MV Boli"/>
+        <a:font script="Deva" typeface="Mangal"/>
+        <a:font script="Telu" typeface="Gautami"/>
+        <a:font script="Taml" typeface="Latha"/>
+        <a:font script="Syrc" typeface="Estrangelo Edessa"/>
+        <a:font script="Orya" typeface="Kalinga"/>
+        <a:font script="Mlym" typeface="Kartika"/>
+        <a:font script="Laoo" typeface="DokChampa"/>
+        <a:font script="Sinh" typeface="Iskoola Pota"/>
+        <a:font script="Mong" typeface="Mongolian Baiti"/>
+        <a:font script="Viet" typeface="Arial"/>
+        <a:font script="Uigh" typeface="Microsoft Uighur"/>
+        <a:font script="Geor" typeface="Sylfaen"/>
+        <a:font script="Armn" typeface="Arial"/>
+        <a:font script="Bugi" typeface="Leelawadee UI"/>
+        <a:font script="Bopo" typeface="Microsoft JhengHei"/>
+        <a:font script="Java" typeface="Javanese Text"/>
+        <a:font script="Lisu" typeface="Segoe UI"/>
+        <a:font script="Mymr" typeface="Myanmar Text"/>
+        <a:font script="Nkoo" typeface="Ebrima"/>
+        <a:font script="Olck" typeface="Nirmala UI"/>
+        <a:font script="Osma" typeface="Ebrima"/>
+        <a:font script="Phag" typeface="Phagspa"/>
+        <a:font script="Syrn" typeface="Estrangelo Edessa"/>
+        <a:font script="Syrj" typeface="Estrangelo Edessa"/>
+        <a:font script="Syre" typeface="Estrangelo Edessa"/>
+        <a:font script="Sora" typeface="Nirmala UI"/>
+        <a:font script="Tale" typeface="Microsoft Tai Le"/>
+        <a:font script="Talu" typeface="Microsoft New Tai Lue"/>
+        <a:font script="Tfng" typeface="Ebrima"/>
+      </a:minorFont>
+    </a:fontScheme>
+    <a:fmtScheme name="Office">
+      <a:fillStyleLst>
+        <a:solidFill>
+          <a:schemeClr val="phClr"/>
+        </a:solidFill>
+        <a:gradFill rotWithShape="1">
+          <a:gsLst>
+            <a:gs pos="0">
+              <a:schemeClr val="phClr">
+                <a:lumMod val="110000"/>
+                <a:satMod val="105000"/>
+                <a:tint val="67000"/>
+              </a:schemeClr>
+            </a:gs>
+            <a:gs pos="50000">
+              <a:schemeClr val="phClr">
+                <a:lumMod val="105000"/>
+                <a:satMod val="103000"/>
+                <a:tint val="73000"/>
+              </a:schemeClr>
+            </a:gs>
+            <a:gs pos="100000">
+              <a:schemeClr val="phClr">
+                <a:lumMod val="105000"/>
+                <a:satMod val="109000"/>
+                <a:tint val="81000"/>
+              </a:schemeClr>
+            </a:gs>
+          </a:gsLst>
+          <a:lin ang="5400000" scaled="0"/>
+        </a:gradFill>
+        <a:gradFill rotWithShape="1">
+          <a:gsLst>
+            <a:gs pos="0">
+              <a:schemeClr val="phClr">
+                <a:satMod val="103000"/>
+                <a:lumMod val="102000"/>
+                <a:tint val="94000"/>
+              </a:schemeClr>
+            </a:gs>
+            <a:gs pos="50000">
+              <a:schemeClr val="phClr">
+                <a:satMod val="110000"/>
+                <a:lumMod val="100000"/>
+                <a:shade val="100000"/>
+              </a:schemeClr>
+            </a:gs>
+            <a:gs pos="100000">
+              <a:schemeClr val="phClr">
+                <a:lumMod val="99000"/>
+                <a:satMod val="120000"/>
+                <a:shade val="78000"/>
+              </a:schemeClr>
+            </a:gs>
+          </a:gsLst>
+          <a:lin ang="5400000" scaled="0"/>
+        </a:gradFill>
+      </a:fillStyleLst>
+      <a:lnStyleLst>
+        <a:ln w="6350" cap="flat" cmpd="sng" algn="ctr">
+          <a:solidFill>
+            <a:schemeClr val="phClr"/>
+          </a:solidFill>
+          <a:prstDash val="solid"/>
+          <a:miter lim="800000"/>
+        </a:ln>
+        <a:ln w="12700" cap="flat" cmpd="sng" algn="ctr">
+          <a:solidFill>
+            <a:schemeClr val="phClr"/>
+          </a:solidFill>
+          <a:prstDash val="solid"/>
+          <a:miter lim="800000"/>
+        </a:ln>
+        <a:ln w="19050" cap="flat" cmpd="sng" algn="ctr">
+          <a:solidFill>
+            <a:schemeClr val="phClr"/>
+          </a:solidFill>
+          <a:prstDash val="solid"/>
+          <a:miter lim="800000"/>
+        </a:ln>
+      </a:lnStyleLst>
+      <a:effectStyleLst>
+        <a:effectStyle>
+          <a:effectLst/>
+        </a:effectStyle>
+        <a:effectStyle>
+          <a:effectLst/>
+        </a:effectStyle>
+        <a:effectStyle>
+          <a:effectLst>
+            <a:outerShdw blurRad="57150" dist="19050" dir="5400000" algn="ctr" rotWithShape="0">
+              <a:srgbClr val="000000">
+                <a:alpha val="63000"/>
+              </a:srgbClr>
+            </a:outerShdw>
+          </a:effectLst>
+        </a:effectStyle>
+      </a:effectStyleLst>
+      <a:bgFillStyleLst>
+        <a:solidFill>
+          <a:schemeClr val="phClr"/>
+        </a:solidFill>
+        <a:solidFill>
+          <a:schemeClr val="phClr">
+            <a:tint val="95000"/>
+            <a:satMod val="170000"/>
+          </a:schemeClr>
+        </a:solidFill>
+        <a:gradFill rotWithShape="1">
+          <a:gsLst>
+            <a:gs pos="0">
+              <a:schemeClr val="phClr">
+                <a:tint val="93000"/>
+                <a:satMod val="150000"/>
+                <a:shade val="98000"/>
+                <a:lumMod val="102000"/>
+              </a:schemeClr>
+            </a:gs>
+            <a:gs pos="50000">
+              <a:schemeClr val="phClr">
+                <a:tint val="98000"/>
+                <a:satMod val="130000"/>
+                <a:shade val="90000"/>
+                <a:lumMod val="103000"/>
+              </a:schemeClr>
+            </a:gs>
+            <a:gs pos="100000">
+              <a:schemeClr val="phClr">
+                <a:shade val="63000"/>
+                <a:satMod val="120000"/>
+              </a:schemeClr>
+            </a:gs>
+          </a:gsLst>
+          <a:lin ang="5400000" scaled="0"/>
+        </a:gradFill>
+      </a:bgFillStyleLst>
+    </a:fmtScheme>
+  </a:themeElements>
+  <a:objectDefaults/>
+  <a:extraClrSchemeLst/>
+  <a:extLst>
+    <a:ext uri="{05A4C25C-085E-4340-85A3-A5531E510DB2}">
+      <thm15:themeFamily xmlns:thm15="http://schemas.microsoft.com/office/thememl/2012/main" name="Office Theme" id="{62F939B6-93AF-4DB8-9C6B-D6C7DFDC589F}" vid="{4A3C46E8-61CC-4603-A589-7422A47A8E4A}"/>
+    </a:ext>
+  </a:extLst>
+</a:theme>
 </file>
--- a/JavanIntroSlides/intro2assembly_part1.pptx
+++ b/JavanIntroSlides/intro2assembly_part1.pptx
@@ -123,6 +123,11 @@
       </a:defRPr>
     </a:lvl9pPr>
   </p:defaultTextStyle>
+  <p:extLst>
+    <p:ext uri="{EFAFB233-063F-42B5-8137-9DF3F51BA10A}">
+      <p15:sldGuideLst xmlns:p15="http://schemas.microsoft.com/office/powerpoint/2012/main"/>
+    </p:ext>
+  </p:extLst>
 </p:presentation>
 </file>
 
@@ -3833,6 +3838,12 @@
             </a:r>
           </a:p>
           <a:p>
+            <a:r>
+              <a:rPr lang="en-US" dirty="0"/>
+              <a:t>Bioinformatician ACEGID/NIH</a:t>
+            </a:r>
+          </a:p>
+          <a:p>
             <a:endParaRPr lang="en-US" dirty="0"/>
           </a:p>
         </p:txBody>
@@ -3879,8 +3890,8 @@
         </p:nvSpPr>
         <p:spPr>
           <a:xfrm>
-            <a:off x="594993" y="412579"/>
-            <a:ext cx="10212070" cy="756920"/>
+            <a:off x="545235" y="67662"/>
+            <a:ext cx="11288232" cy="751488"/>
           </a:xfrm>
           <a:prstGeom prst="rect">
             <a:avLst/>
@@ -3904,174 +3915,22 @@
               </a:tabLst>
             </a:pPr>
             <a:r>
-              <a:rPr spc="-819" dirty="0"/>
-              <a:t>C</a:t>
-            </a:r>
-            <a:r>
-              <a:rPr spc="-340" dirty="0"/>
-              <a:t>a</a:t>
-            </a:r>
-            <a:r>
-              <a:rPr spc="-490" dirty="0"/>
-              <a:t>n</a:t>
-            </a:r>
-            <a:r>
-              <a:rPr spc="-175" dirty="0"/>
-              <a:t> </a:t>
-            </a:r>
-            <a:r>
-              <a:rPr spc="-500" dirty="0"/>
-              <a:t>y</a:t>
-            </a:r>
-            <a:r>
-              <a:rPr spc="-580" dirty="0"/>
-              <a:t>o</a:t>
-            </a:r>
-            <a:r>
-              <a:rPr spc="-490" dirty="0"/>
-              <a:t>u</a:t>
-            </a:r>
-            <a:r>
-              <a:rPr spc="-175" dirty="0"/>
-              <a:t> </a:t>
-            </a:r>
-            <a:r>
-              <a:rPr spc="-180" dirty="0"/>
-              <a:t>i</a:t>
-            </a:r>
-            <a:r>
-              <a:rPr spc="-450" dirty="0"/>
-              <a:t>de</a:t>
-            </a:r>
-            <a:r>
-              <a:rPr spc="-425" dirty="0"/>
-              <a:t>n</a:t>
-            </a:r>
-            <a:r>
-              <a:rPr spc="-235" dirty="0"/>
-              <a:t>t</a:t>
-            </a:r>
-            <a:r>
-              <a:rPr spc="-180" dirty="0"/>
-              <a:t>i</a:t>
-            </a:r>
-            <a:r>
-              <a:rPr spc="-170" dirty="0"/>
-              <a:t>f</a:t>
-            </a:r>
-            <a:r>
-              <a:rPr spc="-495" dirty="0"/>
-              <a:t>y</a:t>
-            </a:r>
-            <a:r>
-              <a:rPr spc="-180" dirty="0"/>
-              <a:t> </a:t>
-            </a:r>
-            <a:r>
-              <a:rPr spc="-325" dirty="0"/>
-              <a:t>w</a:t>
-            </a:r>
-            <a:r>
-              <a:rPr spc="-450" dirty="0"/>
-              <a:t>h</a:t>
-            </a:r>
-            <a:r>
-              <a:rPr spc="-215" dirty="0"/>
-              <a:t>i</a:t>
-            </a:r>
-            <a:r>
-              <a:rPr spc="-409" dirty="0"/>
-              <a:t>c</a:t>
-            </a:r>
-            <a:r>
-              <a:rPr spc="-490" dirty="0"/>
-              <a:t>h</a:t>
-            </a:r>
-            <a:r>
-              <a:rPr spc="-175" dirty="0"/>
-              <a:t> </a:t>
-            </a:r>
-            <a:r>
-              <a:rPr spc="-580" dirty="0"/>
-              <a:t>o</a:t>
-            </a:r>
-            <a:r>
-              <a:rPr spc="-165" dirty="0"/>
-              <a:t>f</a:t>
-            </a:r>
-            <a:r>
-              <a:rPr spc="-175" dirty="0"/>
-              <a:t> </a:t>
-            </a:r>
-            <a:r>
-              <a:rPr spc="-170" dirty="0"/>
-              <a:t>t</a:t>
-            </a:r>
-            <a:r>
-              <a:rPr spc="-450" dirty="0"/>
-              <a:t>he</a:t>
-            </a:r>
-            <a:r>
-              <a:rPr spc="-500" dirty="0"/>
-              <a:t>s</a:t>
-            </a:r>
-            <a:r>
-              <a:rPr spc="-409" dirty="0"/>
-              <a:t>e</a:t>
-            </a:r>
-            <a:r>
-              <a:rPr spc="-175" dirty="0"/>
-              <a:t> </a:t>
-            </a:r>
-            <a:r>
-              <a:rPr spc="-180" dirty="0"/>
-              <a:t>i</a:t>
-            </a:r>
-            <a:r>
-              <a:rPr spc="-495" dirty="0"/>
-              <a:t>s</a:t>
-            </a:r>
-            <a:r>
-              <a:rPr spc="-180" dirty="0"/>
-              <a:t> </a:t>
-            </a:r>
-            <a:r>
-              <a:rPr spc="-335" dirty="0"/>
-              <a:t>a</a:t>
-            </a:r>
-            <a:r>
-              <a:rPr spc="-180" dirty="0"/>
-              <a:t> </a:t>
-            </a:r>
-            <a:r>
-              <a:rPr spc="-450" dirty="0"/>
-              <a:t>g</a:t>
-            </a:r>
-            <a:r>
-              <a:rPr spc="-295" dirty="0"/>
-              <a:t>r</a:t>
-            </a:r>
-            <a:r>
-              <a:rPr spc="-340" dirty="0"/>
-              <a:t>a</a:t>
-            </a:r>
-            <a:r>
-              <a:rPr spc="-520" dirty="0"/>
-              <a:t>ph?</a:t>
-            </a:r>
-            <a:r>
-              <a:rPr dirty="0"/>
+              <a:rPr lang="en-US" sz="4000" b="1" dirty="0"/>
+              <a:t>Can you identify genome assembly graph below?</a:t>
+            </a:r>
+            <a:r>
+              <a:rPr lang="en-US" b="1" dirty="0"/>
               <a:t>	</a:t>
             </a:r>
             <a:r>
-              <a:rPr sz="4800" spc="-715" dirty="0">
+              <a:rPr lang="en-US" sz="4800" b="1" spc="-715" dirty="0">
                 <a:solidFill>
                   <a:srgbClr val="008C00"/>
                 </a:solidFill>
               </a:rPr>
               <a:t>B</a:t>
             </a:r>
-            <a:endParaRPr sz="4800"/>
+            <a:endParaRPr lang="en-US" sz="4800" b="1" dirty="0"/>
           </a:p>
         </p:txBody>
       </p:sp>
@@ -9603,7 +9462,7 @@
         </p:nvSpPr>
         <p:spPr>
           <a:xfrm>
-            <a:off x="126124" y="1690688"/>
+            <a:off x="126124" y="1764260"/>
             <a:ext cx="11939752" cy="4351338"/>
           </a:xfrm>
         </p:spPr>
@@ -9625,100 +9484,6 @@
           </a:p>
         </p:txBody>
       </p:sp>
-      <p:pic>
-        <p:nvPicPr>
-          <p:cNvPr id="3076" name="Picture 4" descr="What is de novo assembly? - The Sequencing Center">
-            <a:extLst>
-              <a:ext uri="{FF2B5EF4-FFF2-40B4-BE49-F238E27FC236}">
-                <a16:creationId xmlns:a16="http://schemas.microsoft.com/office/drawing/2014/main" id="{2414B7A8-60AF-F4D4-9DB7-A7B58065D507}"/>
-              </a:ext>
-            </a:extLst>
-          </p:cNvPr>
-          <p:cNvPicPr>
-            <a:picLocks noChangeAspect="1" noChangeArrowheads="1"/>
-          </p:cNvPicPr>
-          <p:nvPr/>
-        </p:nvPicPr>
-        <p:blipFill>
-          <a:blip r:embed="rId2">
-            <a:extLst>
-              <a:ext uri="{28A0092B-C50C-407E-A947-70E740481C1C}">
-                <a14:useLocalDpi xmlns:a14="http://schemas.microsoft.com/office/drawing/2010/main" val="0"/>
-              </a:ext>
-            </a:extLst>
-          </a:blip>
-          <a:srcRect/>
-          <a:stretch>
-            <a:fillRect/>
-          </a:stretch>
-        </p:blipFill>
-        <p:spPr bwMode="auto">
-          <a:xfrm>
-            <a:off x="342763" y="3237187"/>
-            <a:ext cx="6239558" cy="3042744"/>
-          </a:xfrm>
-          <a:prstGeom prst="rect">
-            <a:avLst/>
-          </a:prstGeom>
-          <a:noFill/>
-          <a:extLst>
-            <a:ext uri="{909E8E84-426E-40DD-AFC4-6F175D3DCCD1}">
-              <a14:hiddenFill xmlns:a14="http://schemas.microsoft.com/office/drawing/2010/main">
-                <a:solidFill>
-                  <a:srgbClr val="FFFFFF"/>
-                </a:solidFill>
-              </a14:hiddenFill>
-            </a:ext>
-          </a:extLst>
-        </p:spPr>
-      </p:pic>
-      <p:pic>
-        <p:nvPicPr>
-          <p:cNvPr id="3080" name="Picture 8" descr="The Story of Three Bricklayers – A Parable About The Power of Purpose -  Sacred Structures by Jim Baker : Sacred Structures by Jim Baker">
-            <a:extLst>
-              <a:ext uri="{FF2B5EF4-FFF2-40B4-BE49-F238E27FC236}">
-                <a16:creationId xmlns:a16="http://schemas.microsoft.com/office/drawing/2014/main" id="{3A8EAC8F-55C2-937B-1FA9-355AC5D090FB}"/>
-              </a:ext>
-            </a:extLst>
-          </p:cNvPr>
-          <p:cNvPicPr>
-            <a:picLocks noChangeAspect="1" noChangeArrowheads="1"/>
-          </p:cNvPicPr>
-          <p:nvPr/>
-        </p:nvPicPr>
-        <p:blipFill>
-          <a:blip r:embed="rId3">
-            <a:extLst>
-              <a:ext uri="{28A0092B-C50C-407E-A947-70E740481C1C}">
-                <a14:useLocalDpi xmlns:a14="http://schemas.microsoft.com/office/drawing/2010/main" val="0"/>
-              </a:ext>
-            </a:extLst>
-          </a:blip>
-          <a:srcRect/>
-          <a:stretch>
-            <a:fillRect/>
-          </a:stretch>
-        </p:blipFill>
-        <p:spPr bwMode="auto">
-          <a:xfrm>
-            <a:off x="6798960" y="3429000"/>
-            <a:ext cx="4797347" cy="2586805"/>
-          </a:xfrm>
-          <a:prstGeom prst="rect">
-            <a:avLst/>
-          </a:prstGeom>
-          <a:noFill/>
-          <a:extLst>
-            <a:ext uri="{909E8E84-426E-40DD-AFC4-6F175D3DCCD1}">
-              <a14:hiddenFill xmlns:a14="http://schemas.microsoft.com/office/drawing/2010/main">
-                <a:solidFill>
-                  <a:srgbClr val="FFFFFF"/>
-                </a:solidFill>
-              </a14:hiddenFill>
-            </a:ext>
-          </a:extLst>
-        </p:spPr>
-      </p:pic>
     </p:spTree>
     <p:extLst>
       <p:ext uri="{BB962C8B-B14F-4D97-AF65-F5344CB8AC3E}">
@@ -9729,127 +9494,6 @@
   <p:clrMapOvr>
     <a:masterClrMapping/>
   </p:clrMapOvr>
-  <p:timing>
-    <p:tnLst>
-      <p:par>
-        <p:cTn id="1" dur="indefinite" restart="never" nodeType="tmRoot">
-          <p:childTnLst>
-            <p:seq concurrent="1" nextAc="seek">
-              <p:cTn id="2" dur="indefinite" nodeType="mainSeq">
-                <p:childTnLst>
-                  <p:par>
-                    <p:cTn id="3" fill="hold">
-                      <p:stCondLst>
-                        <p:cond delay="indefinite"/>
-                      </p:stCondLst>
-                      <p:childTnLst>
-                        <p:par>
-                          <p:cTn id="4" fill="hold">
-                            <p:stCondLst>
-                              <p:cond delay="0"/>
-                            </p:stCondLst>
-                            <p:childTnLst>
-                              <p:par>
-                                <p:cTn id="5" presetID="2" presetClass="entr" presetSubtype="4" fill="hold" nodeType="clickEffect">
-                                  <p:stCondLst>
-                                    <p:cond delay="0"/>
-                                  </p:stCondLst>
-                                  <p:childTnLst>
-                                    <p:set>
-                                      <p:cBhvr>
-                                        <p:cTn id="6" dur="1" fill="hold">
-                                          <p:stCondLst>
-                                            <p:cond delay="0"/>
-                                          </p:stCondLst>
-                                        </p:cTn>
-                                        <p:tgtEl>
-                                          <p:spTgt spid="3076"/>
-                                        </p:tgtEl>
-                                        <p:attrNameLst>
-                                          <p:attrName>style.visibility</p:attrName>
-                                        </p:attrNameLst>
-                                      </p:cBhvr>
-                                      <p:to>
-                                        <p:strVal val="visible"/>
-                                      </p:to>
-                                    </p:set>
-                                    <p:anim calcmode="lin" valueType="num">
-                                      <p:cBhvr additive="base">
-                                        <p:cTn id="7" dur="500" fill="hold"/>
-                                        <p:tgtEl>
-                                          <p:spTgt spid="3076"/>
-                                        </p:tgtEl>
-                                        <p:attrNameLst>
-                                          <p:attrName>ppt_x</p:attrName>
-                                        </p:attrNameLst>
-                                      </p:cBhvr>
-                                      <p:tavLst>
-                                        <p:tav tm="0">
-                                          <p:val>
-                                            <p:strVal val="#ppt_x"/>
-                                          </p:val>
-                                        </p:tav>
-                                        <p:tav tm="100000">
-                                          <p:val>
-                                            <p:strVal val="#ppt_x"/>
-                                          </p:val>
-                                        </p:tav>
-                                      </p:tavLst>
-                                    </p:anim>
-                                    <p:anim calcmode="lin" valueType="num">
-                                      <p:cBhvr additive="base">
-                                        <p:cTn id="8" dur="500" fill="hold"/>
-                                        <p:tgtEl>
-                                          <p:spTgt spid="3076"/>
-                                        </p:tgtEl>
-                                        <p:attrNameLst>
-                                          <p:attrName>ppt_y</p:attrName>
-                                        </p:attrNameLst>
-                                      </p:cBhvr>
-                                      <p:tavLst>
-                                        <p:tav tm="0">
-                                          <p:val>
-                                            <p:strVal val="1+#ppt_h/2"/>
-                                          </p:val>
-                                        </p:tav>
-                                        <p:tav tm="100000">
-                                          <p:val>
-                                            <p:strVal val="#ppt_y"/>
-                                          </p:val>
-                                        </p:tav>
-                                      </p:tavLst>
-                                    </p:anim>
-                                  </p:childTnLst>
-                                </p:cTn>
-                              </p:par>
-                            </p:childTnLst>
-                          </p:cTn>
-                        </p:par>
-                      </p:childTnLst>
-                    </p:cTn>
-                  </p:par>
-                </p:childTnLst>
-              </p:cTn>
-              <p:prevCondLst>
-                <p:cond evt="onPrev" delay="0">
-                  <p:tgtEl>
-                    <p:sldTgt/>
-                  </p:tgtEl>
-                </p:cond>
-              </p:prevCondLst>
-              <p:nextCondLst>
-                <p:cond evt="onNext" delay="0">
-                  <p:tgtEl>
-                    <p:sldTgt/>
-                  </p:tgtEl>
-                </p:cond>
-              </p:nextCondLst>
-            </p:seq>
-          </p:childTnLst>
-        </p:cTn>
-      </p:par>
-    </p:tnLst>
-  </p:timing>
 </p:sld>
 </file>
 
@@ -9933,11 +9577,18 @@
           <a:lstStyle/>
           <a:p>
             <a:r>
+              <a:rPr lang="en-US" b="1" i="1" dirty="0">
+                <a:effectLst/>
+                <a:latin typeface="Söhne"/>
+              </a:rPr>
+              <a:t>De Novo </a:t>
+            </a:r>
+            <a:r>
               <a:rPr lang="en-US" b="1" i="0" dirty="0">
                 <a:effectLst/>
                 <a:latin typeface="Söhne"/>
               </a:rPr>
-              <a:t>De Novo Assembly: </a:t>
+              <a:t>Assembly: </a:t>
             </a:r>
             <a:r>
               <a:rPr lang="en-US" b="0" i="0" dirty="0">
@@ -10409,8 +10060,8 @@
           <a:p>
             <a:pPr algn="ctr"/>
             <a:r>
-              <a:rPr lang="en-US" dirty="0"/>
-              <a:t>Terminologies</a:t>
+              <a:rPr lang="en-US" b="1" dirty="0"/>
+              <a:t>Commonly used terms in genome assembly</a:t>
             </a:r>
           </a:p>
         </p:txBody>
@@ -10517,8 +10168,25 @@
                 <a:effectLst/>
                 <a:latin typeface="Söhne"/>
               </a:rPr>
-              <a:t>Short DNA sequences generated through DNA sequencing techniques</a:t>
-            </a:r>
+              <a:t>Short DNA sequences generated through DNA sequencing techniques: PacBio HiFi, ONT, Illumina </a:t>
+            </a:r>
+            <a:r>
+              <a:rPr lang="en-US" b="0" i="0" dirty="0" err="1">
+                <a:solidFill>
+                  <a:srgbClr val="374151"/>
+                </a:solidFill>
+                <a:effectLst/>
+                <a:latin typeface="Söhne"/>
+              </a:rPr>
+              <a:t>etc</a:t>
+            </a:r>
+            <a:endParaRPr lang="en-US" b="0" i="0" dirty="0">
+              <a:solidFill>
+                <a:srgbClr val="374151"/>
+              </a:solidFill>
+              <a:effectLst/>
+              <a:latin typeface="Söhne"/>
+            </a:endParaRPr>
           </a:p>
           <a:p>
             <a:pPr marL="285750" indent="-285750">
@@ -10642,7 +10310,7 @@
                 <a:effectLst/>
                 <a:latin typeface="Söhne"/>
               </a:rPr>
-              <a:t>: A statistical measure used to assess the quality of an assembly</a:t>
+              <a:t>: A statistical measure used to assess the quality (contiguity) of an assembly</a:t>
             </a:r>
           </a:p>
           <a:p>
@@ -11839,7 +11507,7 @@
           <a:p>
             <a:pPr algn="ctr"/>
             <a:r>
-              <a:rPr lang="en-US" i="0" dirty="0">
+              <a:rPr lang="en-US" b="1" i="0" dirty="0">
                 <a:solidFill>
                   <a:srgbClr val="292B2C"/>
                 </a:solidFill>
@@ -11930,6 +11598,51 @@
           </a:p>
         </p:txBody>
       </p:sp>
+      <p:pic>
+        <p:nvPicPr>
+          <p:cNvPr id="4" name="Picture 2" descr="Infographic: The Sequencing and Assembly of the Human Genome | TS Digest |  The Scientist">
+            <a:extLst>
+              <a:ext uri="{FF2B5EF4-FFF2-40B4-BE49-F238E27FC236}">
+                <a16:creationId xmlns:a16="http://schemas.microsoft.com/office/drawing/2014/main" id="{891F2A85-EB64-9811-5DDD-9F1005A0AA5A}"/>
+              </a:ext>
+            </a:extLst>
+          </p:cNvPr>
+          <p:cNvPicPr>
+            <a:picLocks noChangeAspect="1" noChangeArrowheads="1"/>
+          </p:cNvPicPr>
+          <p:nvPr/>
+        </p:nvPicPr>
+        <p:blipFill rotWithShape="1">
+          <a:blip r:embed="rId2">
+            <a:extLst>
+              <a:ext uri="{28A0092B-C50C-407E-A947-70E740481C1C}">
+                <a14:useLocalDpi xmlns:a14="http://schemas.microsoft.com/office/drawing/2010/main" val="0"/>
+              </a:ext>
+            </a:extLst>
+          </a:blip>
+          <a:srcRect t="16384" r="55159"/>
+          <a:stretch/>
+        </p:blipFill>
+        <p:spPr bwMode="auto">
+          <a:xfrm>
+            <a:off x="8285823" y="2828139"/>
+            <a:ext cx="3519921" cy="3664736"/>
+          </a:xfrm>
+          <a:prstGeom prst="rect">
+            <a:avLst/>
+          </a:prstGeom>
+          <a:noFill/>
+          <a:extLst>
+            <a:ext uri="{909E8E84-426E-40DD-AFC4-6F175D3DCCD1}">
+              <a14:hiddenFill xmlns:a14="http://schemas.microsoft.com/office/drawing/2010/main">
+                <a:solidFill>
+                  <a:srgbClr val="FFFFFF"/>
+                </a:solidFill>
+              </a14:hiddenFill>
+            </a:ext>
+          </a:extLst>
+        </p:spPr>
+      </p:pic>
     </p:spTree>
     <p:extLst>
       <p:ext uri="{BB962C8B-B14F-4D97-AF65-F5344CB8AC3E}">
@@ -11940,6 +11653,89 @@
   <p:clrMapOvr>
     <a:masterClrMapping/>
   </p:clrMapOvr>
+  <p:timing>
+    <p:tnLst>
+      <p:par>
+        <p:cTn id="1" dur="indefinite" restart="never" nodeType="tmRoot">
+          <p:childTnLst>
+            <p:seq concurrent="1" nextAc="seek">
+              <p:cTn id="2" dur="indefinite" nodeType="mainSeq">
+                <p:childTnLst>
+                  <p:par>
+                    <p:cTn id="3" fill="hold">
+                      <p:stCondLst>
+                        <p:cond delay="indefinite"/>
+                      </p:stCondLst>
+                      <p:childTnLst>
+                        <p:par>
+                          <p:cTn id="4" fill="hold">
+                            <p:stCondLst>
+                              <p:cond delay="0"/>
+                            </p:stCondLst>
+                            <p:childTnLst>
+                              <p:par>
+                                <p:cTn id="5" presetID="3" presetClass="entr" presetSubtype="10" fill="hold" nodeType="clickEffect">
+                                  <p:stCondLst>
+                                    <p:cond delay="0"/>
+                                  </p:stCondLst>
+                                  <p:childTnLst>
+                                    <p:set>
+                                      <p:cBhvr>
+                                        <p:cTn id="6" dur="1" fill="hold">
+                                          <p:stCondLst>
+                                            <p:cond delay="0"/>
+                                          </p:stCondLst>
+                                        </p:cTn>
+                                        <p:tgtEl>
+                                          <p:spTgt spid="4"/>
+                                        </p:tgtEl>
+                                        <p:attrNameLst>
+                                          <p:attrName>style.visibility</p:attrName>
+                                        </p:attrNameLst>
+                                      </p:cBhvr>
+                                      <p:to>
+                                        <p:strVal val="visible"/>
+                                      </p:to>
+                                    </p:set>
+                                    <p:animEffect transition="in" filter="blinds(horizontal)">
+                                      <p:cBhvr>
+                                        <p:cTn id="7" dur="500"/>
+                                        <p:tgtEl>
+                                          <p:spTgt spid="4"/>
+                                        </p:tgtEl>
+                                      </p:cBhvr>
+                                    </p:animEffect>
+                                  </p:childTnLst>
+                                </p:cTn>
+                              </p:par>
+                            </p:childTnLst>
+                          </p:cTn>
+                        </p:par>
+                      </p:childTnLst>
+                    </p:cTn>
+                  </p:par>
+                </p:childTnLst>
+              </p:cTn>
+              <p:prevCondLst>
+                <p:cond evt="onPrev" delay="0">
+                  <p:tgtEl>
+                    <p:sldTgt/>
+                  </p:tgtEl>
+                </p:cond>
+              </p:prevCondLst>
+              <p:nextCondLst>
+                <p:cond evt="onNext" delay="0">
+                  <p:tgtEl>
+                    <p:sldTgt/>
+                  </p:tgtEl>
+                </p:cond>
+              </p:nextCondLst>
+            </p:seq>
+          </p:childTnLst>
+        </p:cTn>
+      </p:par>
+    </p:tnLst>
+  </p:timing>
 </p:sld>
 </file>
 
@@ -12090,7 +11886,15 @@
             <a:pPr algn="ctr"/>
             <a:r>
               <a:rPr lang="en-US" b="1" dirty="0"/>
-              <a:t>Why is it so hard?</a:t>
+              <a:t>Why is </a:t>
+            </a:r>
+            <a:r>
+              <a:rPr lang="en-US" b="1" i="1" dirty="0"/>
+              <a:t>De novo </a:t>
+            </a:r>
+            <a:r>
+              <a:rPr lang="en-US" b="1" dirty="0"/>
+              <a:t>assembly so hard?</a:t>
             </a:r>
           </a:p>
         </p:txBody>
@@ -12172,7 +11976,7 @@
         </p:nvSpPr>
         <p:spPr>
           <a:xfrm>
-            <a:off x="838200" y="365125"/>
+            <a:off x="838200" y="225972"/>
             <a:ext cx="10515600" cy="675399"/>
           </a:xfrm>
         </p:spPr>
@@ -12256,198 +12060,6 @@
           <a:chExt cx="0" cy="0"/>
         </a:xfrm>
       </p:grpSpPr>
-      <p:sp>
-        <p:nvSpPr>
-          <p:cNvPr id="2" name="object 2"/>
-          <p:cNvSpPr txBox="1">
-            <a:spLocks noGrp="1"/>
-          </p:cNvSpPr>
-          <p:nvPr>
-            <p:ph type="title"/>
-          </p:nvPr>
-        </p:nvSpPr>
-        <p:spPr>
-          <a:xfrm>
-            <a:off x="594993" y="452711"/>
-            <a:ext cx="9595485" cy="695960"/>
-          </a:xfrm>
-          <a:prstGeom prst="rect">
-            <a:avLst/>
-          </a:prstGeom>
-        </p:spPr>
-        <p:txBody>
-          <a:bodyPr vert="horz" wrap="square" lIns="0" tIns="12700" rIns="0" bIns="0" rtlCol="0">
-            <a:spAutoFit/>
-          </a:bodyPr>
-          <a:lstStyle/>
-          <a:p>
-            <a:pPr marL="12700">
-              <a:lnSpc>
-                <a:spcPct val="100000"/>
-              </a:lnSpc>
-              <a:spcBef>
-                <a:spcPts val="100"/>
-              </a:spcBef>
-            </a:pPr>
-            <a:r>
-              <a:rPr spc="-819" dirty="0"/>
-              <a:t>C</a:t>
-            </a:r>
-            <a:r>
-              <a:rPr spc="-340" dirty="0"/>
-              <a:t>a</a:t>
-            </a:r>
-            <a:r>
-              <a:rPr spc="-490" dirty="0"/>
-              <a:t>n</a:t>
-            </a:r>
-            <a:r>
-              <a:rPr spc="-175" dirty="0"/>
-              <a:t> </a:t>
-            </a:r>
-            <a:r>
-              <a:rPr spc="-500" dirty="0"/>
-              <a:t>y</a:t>
-            </a:r>
-            <a:r>
-              <a:rPr spc="-580" dirty="0"/>
-              <a:t>o</a:t>
-            </a:r>
-            <a:r>
-              <a:rPr spc="-490" dirty="0"/>
-              <a:t>u</a:t>
-            </a:r>
-            <a:r>
-              <a:rPr spc="-175" dirty="0"/>
-              <a:t> </a:t>
-            </a:r>
-            <a:r>
-              <a:rPr spc="-180" dirty="0"/>
-              <a:t>i</a:t>
-            </a:r>
-            <a:r>
-              <a:rPr spc="-450" dirty="0"/>
-              <a:t>de</a:t>
-            </a:r>
-            <a:r>
-              <a:rPr spc="-425" dirty="0"/>
-              <a:t>n</a:t>
-            </a:r>
-            <a:r>
-              <a:rPr spc="-235" dirty="0"/>
-              <a:t>t</a:t>
-            </a:r>
-            <a:r>
-              <a:rPr spc="-180" dirty="0"/>
-              <a:t>i</a:t>
-            </a:r>
-            <a:r>
-              <a:rPr spc="-170" dirty="0"/>
-              <a:t>f</a:t>
-            </a:r>
-            <a:r>
-              <a:rPr spc="-495" dirty="0"/>
-              <a:t>y</a:t>
-            </a:r>
-            <a:r>
-              <a:rPr spc="-180" dirty="0"/>
-              <a:t> </a:t>
-            </a:r>
-            <a:r>
-              <a:rPr spc="-325" dirty="0"/>
-              <a:t>w</a:t>
-            </a:r>
-            <a:r>
-              <a:rPr spc="-450" dirty="0"/>
-              <a:t>h</a:t>
-            </a:r>
-            <a:r>
-              <a:rPr spc="-215" dirty="0"/>
-              <a:t>i</a:t>
-            </a:r>
-            <a:r>
-              <a:rPr spc="-409" dirty="0"/>
-              <a:t>c</a:t>
-            </a:r>
-            <a:r>
-              <a:rPr spc="-490" dirty="0"/>
-              <a:t>h</a:t>
-            </a:r>
-            <a:r>
-              <a:rPr spc="-175" dirty="0"/>
-              <a:t> </a:t>
-            </a:r>
-            <a:r>
-              <a:rPr spc="-580" dirty="0"/>
-              <a:t>o</a:t>
-            </a:r>
-            <a:r>
-              <a:rPr spc="-165" dirty="0"/>
-              <a:t>f</a:t>
-            </a:r>
-            <a:r>
-              <a:rPr spc="-175" dirty="0"/>
-              <a:t> </a:t>
-            </a:r>
-            <a:r>
-              <a:rPr spc="-170" dirty="0"/>
-              <a:t>t</a:t>
-            </a:r>
-            <a:r>
-              <a:rPr spc="-450" dirty="0"/>
-              <a:t>he</a:t>
-            </a:r>
-            <a:r>
-              <a:rPr spc="-500" dirty="0"/>
-              <a:t>s</a:t>
-            </a:r>
-            <a:r>
-              <a:rPr spc="-409" dirty="0"/>
-              <a:t>e</a:t>
-            </a:r>
-            <a:r>
-              <a:rPr spc="-175" dirty="0"/>
-              <a:t> </a:t>
-            </a:r>
-            <a:r>
-              <a:rPr spc="-180" dirty="0"/>
-              <a:t>i</a:t>
-            </a:r>
-            <a:r>
-              <a:rPr spc="-495" dirty="0"/>
-              <a:t>s</a:t>
-            </a:r>
-            <a:r>
-              <a:rPr spc="-180" dirty="0"/>
-              <a:t> </a:t>
-            </a:r>
-            <a:r>
-              <a:rPr spc="-335" dirty="0"/>
-              <a:t>a</a:t>
-            </a:r>
-            <a:r>
-              <a:rPr spc="-180" dirty="0"/>
-              <a:t> </a:t>
-            </a:r>
-            <a:r>
-              <a:rPr spc="-450" dirty="0"/>
-              <a:t>g</a:t>
-            </a:r>
-            <a:r>
-              <a:rPr spc="-295" dirty="0"/>
-              <a:t>r</a:t>
-            </a:r>
-            <a:r>
-              <a:rPr spc="-340" dirty="0"/>
-              <a:t>a</a:t>
-            </a:r>
-            <a:r>
-              <a:rPr spc="-520" dirty="0"/>
-              <a:t>ph?</a:t>
-            </a:r>
-          </a:p>
-        </p:txBody>
-      </p:sp>
       <p:grpSp>
         <p:nvGrpSpPr>
           <p:cNvPr id="3" name="object 3"/>
@@ -15589,6 +15201,41 @@
               <a:latin typeface="Arial"/>
               <a:cs typeface="Arial"/>
             </a:endParaRPr>
+          </a:p>
+        </p:txBody>
+      </p:sp>
+      <p:sp>
+        <p:nvSpPr>
+          <p:cNvPr id="55" name="Title 54">
+            <a:extLst>
+              <a:ext uri="{FF2B5EF4-FFF2-40B4-BE49-F238E27FC236}">
+                <a16:creationId xmlns:a16="http://schemas.microsoft.com/office/drawing/2014/main" id="{50F651FE-C7CA-4E55-DC5A-0362519499E3}"/>
+              </a:ext>
+            </a:extLst>
+          </p:cNvPr>
+          <p:cNvSpPr>
+            <a:spLocks noGrp="1"/>
+          </p:cNvSpPr>
+          <p:nvPr>
+            <p:ph type="title"/>
+          </p:nvPr>
+        </p:nvSpPr>
+        <p:spPr>
+          <a:xfrm>
+            <a:off x="817411" y="222338"/>
+            <a:ext cx="11217165" cy="657860"/>
+          </a:xfrm>
+        </p:spPr>
+        <p:txBody>
+          <a:bodyPr>
+            <a:normAutofit fontScale="90000"/>
+          </a:bodyPr>
+          <a:lstStyle/>
+          <a:p>
+            <a:r>
+              <a:rPr lang="en-US" b="1" dirty="0"/>
+              <a:t>Can you identify genome assembly graph below?</a:t>
+            </a:r>
           </a:p>
         </p:txBody>
       </p:sp>
